--- a/Presentation_casse_brique.pptx
+++ b/Presentation_casse_brique.pptx
@@ -118,6 +118,11 @@
       </a:defRPr>
     </a:lvl9pPr>
   </p:defaultTextStyle>
+  <p:extLst>
+    <p:ext uri="{EFAFB233-063F-42B5-8137-9DF3F51BA10A}">
+      <p15:sldGuideLst xmlns:p15="http://schemas.microsoft.com/office/powerpoint/2012/main"/>
+    </p:ext>
+  </p:extLst>
 </p:presentation>
 </file>
 
@@ -4210,8 +4215,8 @@
         </p:nvSpPr>
         <p:spPr>
           <a:xfrm>
-            <a:off x="991182" y="4711603"/>
-            <a:ext cx="9164940" cy="1200329"/>
+            <a:off x="8563959" y="758952"/>
+            <a:ext cx="3168694" cy="1200329"/>
           </a:xfrm>
           <a:prstGeom prst="rect">
             <a:avLst/>
@@ -4404,7 +4409,7 @@
           <a:p>
             <a:r>
               <a:rPr lang="fr-FR" dirty="0"/>
-              <a:t>Classe collision</a:t>
+              <a:t>Classe collision ( Important )</a:t>
             </a:r>
           </a:p>
           <a:p>
@@ -4419,6 +4424,12 @@
               <a:t>Doctest</a:t>
             </a:r>
             <a:endParaRPr lang="fr-FR" dirty="0"/>
+          </a:p>
+          <a:p>
+            <a:r>
+              <a:rPr lang="fr-FR" dirty="0"/>
+              <a:t>Liste chainée pour les vecteurs d’éléments du terrain</a:t>
+            </a:r>
           </a:p>
           <a:p>
             <a:endParaRPr lang="fr-FR" dirty="0"/>
@@ -6323,15 +6334,7 @@
             </a:r>
             <a:r>
               <a:rPr lang="fr-FR" dirty="0"/>
-              <a:t> entre en contact avec l’</a:t>
-            </a:r>
-            <a:r>
-              <a:rPr lang="fr-FR" dirty="0" err="1"/>
-              <a:t>element</a:t>
-            </a:r>
-            <a:r>
-              <a:rPr lang="fr-FR" dirty="0"/>
-              <a:t> fixe</a:t>
+              <a:t> entre en contact avec l’élément fixe</a:t>
             </a:r>
           </a:p>
           <a:p>
@@ -6341,15 +6344,7 @@
             </a:pPr>
             <a:r>
               <a:rPr lang="fr-FR" dirty="0"/>
-              <a:t>Fait se déplacer l’</a:t>
-            </a:r>
-            <a:r>
-              <a:rPr lang="fr-FR" dirty="0" err="1"/>
-              <a:t>element</a:t>
-            </a:r>
-            <a:r>
-              <a:rPr lang="fr-FR" dirty="0"/>
-              <a:t> jusqu’au point de contact</a:t>
+              <a:t>Fait se déplacer l’élément jusqu’au point de contact</a:t>
             </a:r>
           </a:p>
           <a:p>
@@ -6359,16 +6354,21 @@
             </a:pPr>
             <a:r>
               <a:rPr lang="fr-FR" dirty="0"/>
-              <a:t>Demande aux deux </a:t>
+              <a:t>Appelle </a:t>
             </a:r>
             <a:r>
               <a:rPr lang="fr-FR" dirty="0" err="1"/>
-              <a:t>elements</a:t>
-            </a:r>
-            <a:r>
-              <a:rPr lang="fr-FR" dirty="0"/>
-              <a:t> d’appliquer leurs effets de collision</a:t>
-            </a:r>
+              <a:t>element</a:t>
+            </a:r>
+            <a:r>
+              <a:rPr lang="fr-FR" dirty="0"/>
+              <a:t>::</a:t>
+            </a:r>
+            <a:r>
+              <a:rPr lang="fr-FR" dirty="0" err="1"/>
+              <a:t>effetCollision</a:t>
+            </a:r>
+            <a:endParaRPr lang="fr-FR" dirty="0"/>
           </a:p>
           <a:p>
             <a:pPr lvl="1">
@@ -6385,7 +6385,7 @@
             </a:r>
             <a:r>
               <a:rPr lang="fr-FR" dirty="0"/>
-              <a:t> au cas ou il y ai de nouvelles collisions avec la distance restante </a:t>
+              <a:t> au cas ou il y ait de nouvelles collisions avec la distance restante </a:t>
             </a:r>
           </a:p>
           <a:p>
@@ -6407,8 +6407,57 @@
             <a:endParaRPr lang="fr-FR" dirty="0"/>
           </a:p>
           <a:p>
-            <a:pPr marL="201168" lvl="1" indent="0">
-              <a:buNone/>
+            <a:pPr lvl="1">
+              <a:buFont typeface="Arial" panose="020B0604020202020204" pitchFamily="34" charset="0"/>
+              <a:buChar char="•"/>
+            </a:pPr>
+            <a:r>
+              <a:rPr lang="fr-FR" dirty="0" err="1"/>
+              <a:t>element</a:t>
+            </a:r>
+            <a:r>
+              <a:rPr lang="fr-FR" dirty="0"/>
+              <a:t>::</a:t>
+            </a:r>
+            <a:r>
+              <a:rPr lang="fr-FR" dirty="0" err="1"/>
+              <a:t>effetCollision</a:t>
+            </a:r>
+            <a:r>
+              <a:rPr lang="fr-FR" dirty="0"/>
+              <a:t> (</a:t>
+            </a:r>
+            <a:r>
+              <a:rPr lang="fr-FR" dirty="0" err="1"/>
+              <a:t>elementMouvant</a:t>
+            </a:r>
+            <a:r>
+              <a:rPr lang="fr-FR" dirty="0"/>
+              <a:t> *</a:t>
+            </a:r>
+            <a:r>
+              <a:rPr lang="fr-FR" dirty="0" err="1"/>
+              <a:t>elementPercute</a:t>
+            </a:r>
+            <a:r>
+              <a:rPr lang="fr-FR" dirty="0"/>
+              <a:t>)</a:t>
+            </a:r>
+          </a:p>
+          <a:p>
+            <a:pPr lvl="2">
+              <a:buFont typeface="Arial" panose="020B0604020202020204" pitchFamily="34" charset="0"/>
+              <a:buChar char="•"/>
+            </a:pPr>
+            <a:r>
+              <a:rPr lang="fr-FR" dirty="0"/>
+              <a:t>Exemple : La brique s’autodétruit, la balle change l’angle de son vecteur vitesse</a:t>
+            </a:r>
+          </a:p>
+          <a:p>
+            <a:pPr lvl="1">
+              <a:buFont typeface="Arial" panose="020B0604020202020204" pitchFamily="34" charset="0"/>
+              <a:buChar char="•"/>
             </a:pPr>
             <a:endParaRPr lang="fr-FR" dirty="0"/>
           </a:p>
@@ -6472,7 +6521,11 @@
           <a:lstStyle/>
           <a:p>
             <a:r>
-              <a:rPr lang="fr-FR" dirty="0"/>
+              <a:rPr lang="fr-FR" b="1" dirty="0">
+                <a:solidFill>
+                  <a:schemeClr val="accent2"/>
+                </a:solidFill>
+              </a:rPr>
               <a:t>Gestion des collisions multiples</a:t>
             </a:r>
           </a:p>
@@ -6562,31 +6615,41 @@
           </a:p>
         </p:txBody>
       </p:sp>
-      <p:sp>
-        <p:nvSpPr>
-          <p:cNvPr id="3" name="Espace réservé du contenu 2">
+      <p:pic>
+        <p:nvPicPr>
+          <p:cNvPr id="6" name="Espace réservé du contenu 5">
             <a:extLst>
               <a:ext uri="{FF2B5EF4-FFF2-40B4-BE49-F238E27FC236}">
-                <a16:creationId xmlns:a16="http://schemas.microsoft.com/office/drawing/2014/main" id="{3A5FC328-C921-462F-A0EE-0BC5158EC9FC}"/>
+                <a16:creationId xmlns:a16="http://schemas.microsoft.com/office/drawing/2014/main" id="{B3A8F13E-8F25-49FF-AEDB-EDB8FF6EA48C}"/>
               </a:ext>
             </a:extLst>
           </p:cNvPr>
-          <p:cNvSpPr>
-            <a:spLocks noGrp="1"/>
-          </p:cNvSpPr>
+          <p:cNvPicPr>
+            <a:picLocks noGrp="1" noChangeAspect="1"/>
+          </p:cNvPicPr>
           <p:nvPr>
             <p:ph idx="1"/>
           </p:nvPr>
-        </p:nvSpPr>
-        <p:spPr/>
-        <p:txBody>
-          <a:bodyPr/>
-          <a:lstStyle/>
-          <a:p>
-            <a:endParaRPr lang="fr-FR" dirty="0"/>
-          </a:p>
-        </p:txBody>
-      </p:sp>
+        </p:nvPicPr>
+        <p:blipFill>
+          <a:blip r:embed="rId2">
+            <a:extLst>
+              <a:ext uri="{28A0092B-C50C-407E-A947-70E740481C1C}">
+                <a14:useLocalDpi xmlns:a14="http://schemas.microsoft.com/office/drawing/2010/main" val="0"/>
+              </a:ext>
+            </a:extLst>
+          </a:blip>
+          <a:stretch>
+            <a:fillRect/>
+          </a:stretch>
+        </p:blipFill>
+        <p:spPr>
+          <a:xfrm>
+            <a:off x="8731445" y="521555"/>
+            <a:ext cx="3052724" cy="5537340"/>
+          </a:xfrm>
+        </p:spPr>
+      </p:pic>
       <p:sp>
         <p:nvSpPr>
           <p:cNvPr id="4" name="Espace réservé du numéro de diapositive 3">
@@ -6613,6 +6676,379 @@
               <a:t>9</a:t>
             </a:fld>
             <a:endParaRPr lang="fr-FR"/>
+          </a:p>
+        </p:txBody>
+      </p:sp>
+      <p:sp>
+        <p:nvSpPr>
+          <p:cNvPr id="8" name="Espace réservé du contenu 2">
+            <a:extLst>
+              <a:ext uri="{FF2B5EF4-FFF2-40B4-BE49-F238E27FC236}">
+                <a16:creationId xmlns:a16="http://schemas.microsoft.com/office/drawing/2014/main" id="{2F2FF845-E0E1-49C6-936F-6DA0152E42C8}"/>
+              </a:ext>
+            </a:extLst>
+          </p:cNvPr>
+          <p:cNvSpPr txBox="1">
+            <a:spLocks/>
+          </p:cNvSpPr>
+          <p:nvPr/>
+        </p:nvSpPr>
+        <p:spPr>
+          <a:xfrm>
+            <a:off x="1097280" y="1845734"/>
+            <a:ext cx="7634166" cy="3209224"/>
+          </a:xfrm>
+          <a:prstGeom prst="rect">
+            <a:avLst/>
+          </a:prstGeom>
+        </p:spPr>
+        <p:txBody>
+          <a:bodyPr vert="horz" lIns="0" tIns="45720" rIns="0" bIns="45720" rtlCol="0">
+            <a:normAutofit/>
+          </a:bodyPr>
+          <a:lstStyle>
+            <a:lvl1pPr marL="91440" indent="-91440" algn="l" defTabSz="914400" rtl="0" eaLnBrk="1" latinLnBrk="0" hangingPunct="1">
+              <a:lnSpc>
+                <a:spcPct val="90000"/>
+              </a:lnSpc>
+              <a:spcBef>
+                <a:spcPts val="1200"/>
+              </a:spcBef>
+              <a:spcAft>
+                <a:spcPts val="200"/>
+              </a:spcAft>
+              <a:buClr>
+                <a:schemeClr val="accent1"/>
+              </a:buClr>
+              <a:buSzPct val="100000"/>
+              <a:buFont typeface="Calibri" panose="020F0502020204030204" pitchFamily="34" charset="0"/>
+              <a:buChar char=" "/>
+              <a:defRPr sz="2000" kern="1200">
+                <a:solidFill>
+                  <a:schemeClr val="tx1">
+                    <a:lumMod val="75000"/>
+                    <a:lumOff val="25000"/>
+                  </a:schemeClr>
+                </a:solidFill>
+                <a:latin typeface="+mn-lt"/>
+                <a:ea typeface="+mn-ea"/>
+                <a:cs typeface="+mn-cs"/>
+              </a:defRPr>
+            </a:lvl1pPr>
+            <a:lvl2pPr marL="384048" indent="-182880" algn="l" defTabSz="914400" rtl="0" eaLnBrk="1" latinLnBrk="0" hangingPunct="1">
+              <a:lnSpc>
+                <a:spcPct val="90000"/>
+              </a:lnSpc>
+              <a:spcBef>
+                <a:spcPts val="200"/>
+              </a:spcBef>
+              <a:spcAft>
+                <a:spcPts val="400"/>
+              </a:spcAft>
+              <a:buClr>
+                <a:schemeClr val="accent1"/>
+              </a:buClr>
+              <a:buFont typeface="Calibri" pitchFamily="34" charset="0"/>
+              <a:buChar char="◦"/>
+              <a:defRPr sz="1800" kern="1200">
+                <a:solidFill>
+                  <a:schemeClr val="tx1">
+                    <a:lumMod val="75000"/>
+                    <a:lumOff val="25000"/>
+                  </a:schemeClr>
+                </a:solidFill>
+                <a:latin typeface="+mn-lt"/>
+                <a:ea typeface="+mn-ea"/>
+                <a:cs typeface="+mn-cs"/>
+              </a:defRPr>
+            </a:lvl2pPr>
+            <a:lvl3pPr marL="566928" indent="-182880" algn="l" defTabSz="914400" rtl="0" eaLnBrk="1" latinLnBrk="0" hangingPunct="1">
+              <a:lnSpc>
+                <a:spcPct val="90000"/>
+              </a:lnSpc>
+              <a:spcBef>
+                <a:spcPts val="200"/>
+              </a:spcBef>
+              <a:spcAft>
+                <a:spcPts val="400"/>
+              </a:spcAft>
+              <a:buClr>
+                <a:schemeClr val="accent1"/>
+              </a:buClr>
+              <a:buFont typeface="Calibri" pitchFamily="34" charset="0"/>
+              <a:buChar char="◦"/>
+              <a:defRPr sz="1400" kern="1200">
+                <a:solidFill>
+                  <a:schemeClr val="tx1">
+                    <a:lumMod val="75000"/>
+                    <a:lumOff val="25000"/>
+                  </a:schemeClr>
+                </a:solidFill>
+                <a:latin typeface="+mn-lt"/>
+                <a:ea typeface="+mn-ea"/>
+                <a:cs typeface="+mn-cs"/>
+              </a:defRPr>
+            </a:lvl3pPr>
+            <a:lvl4pPr marL="749808" indent="-182880" algn="l" defTabSz="914400" rtl="0" eaLnBrk="1" latinLnBrk="0" hangingPunct="1">
+              <a:lnSpc>
+                <a:spcPct val="90000"/>
+              </a:lnSpc>
+              <a:spcBef>
+                <a:spcPts val="200"/>
+              </a:spcBef>
+              <a:spcAft>
+                <a:spcPts val="400"/>
+              </a:spcAft>
+              <a:buClr>
+                <a:schemeClr val="accent1"/>
+              </a:buClr>
+              <a:buFont typeface="Calibri" pitchFamily="34" charset="0"/>
+              <a:buChar char="◦"/>
+              <a:defRPr sz="1400" kern="1200">
+                <a:solidFill>
+                  <a:schemeClr val="tx1">
+                    <a:lumMod val="75000"/>
+                    <a:lumOff val="25000"/>
+                  </a:schemeClr>
+                </a:solidFill>
+                <a:latin typeface="+mn-lt"/>
+                <a:ea typeface="+mn-ea"/>
+                <a:cs typeface="+mn-cs"/>
+              </a:defRPr>
+            </a:lvl4pPr>
+            <a:lvl5pPr marL="932688" indent="-182880" algn="l" defTabSz="914400" rtl="0" eaLnBrk="1" latinLnBrk="0" hangingPunct="1">
+              <a:lnSpc>
+                <a:spcPct val="90000"/>
+              </a:lnSpc>
+              <a:spcBef>
+                <a:spcPts val="200"/>
+              </a:spcBef>
+              <a:spcAft>
+                <a:spcPts val="400"/>
+              </a:spcAft>
+              <a:buClr>
+                <a:schemeClr val="accent1"/>
+              </a:buClr>
+              <a:buFont typeface="Calibri" pitchFamily="34" charset="0"/>
+              <a:buChar char="◦"/>
+              <a:defRPr sz="1400" kern="1200">
+                <a:solidFill>
+                  <a:schemeClr val="tx1">
+                    <a:lumMod val="75000"/>
+                    <a:lumOff val="25000"/>
+                  </a:schemeClr>
+                </a:solidFill>
+                <a:latin typeface="+mn-lt"/>
+                <a:ea typeface="+mn-ea"/>
+                <a:cs typeface="+mn-cs"/>
+              </a:defRPr>
+            </a:lvl5pPr>
+            <a:lvl6pPr marL="1100000" indent="-228600" algn="l" defTabSz="914400" rtl="0" eaLnBrk="1" latinLnBrk="0" hangingPunct="1">
+              <a:lnSpc>
+                <a:spcPct val="90000"/>
+              </a:lnSpc>
+              <a:spcBef>
+                <a:spcPts val="200"/>
+              </a:spcBef>
+              <a:spcAft>
+                <a:spcPts val="400"/>
+              </a:spcAft>
+              <a:buClr>
+                <a:schemeClr val="accent1"/>
+              </a:buClr>
+              <a:buFont typeface="Calibri" pitchFamily="34" charset="0"/>
+              <a:buChar char="◦"/>
+              <a:defRPr sz="1400" kern="1200">
+                <a:solidFill>
+                  <a:schemeClr val="tx1">
+                    <a:lumMod val="75000"/>
+                    <a:lumOff val="25000"/>
+                  </a:schemeClr>
+                </a:solidFill>
+                <a:latin typeface="+mn-lt"/>
+                <a:ea typeface="+mn-ea"/>
+                <a:cs typeface="+mn-cs"/>
+              </a:defRPr>
+            </a:lvl6pPr>
+            <a:lvl7pPr marL="1300000" indent="-228600" algn="l" defTabSz="914400" rtl="0" eaLnBrk="1" latinLnBrk="0" hangingPunct="1">
+              <a:lnSpc>
+                <a:spcPct val="90000"/>
+              </a:lnSpc>
+              <a:spcBef>
+                <a:spcPts val="200"/>
+              </a:spcBef>
+              <a:spcAft>
+                <a:spcPts val="400"/>
+              </a:spcAft>
+              <a:buClr>
+                <a:schemeClr val="accent1"/>
+              </a:buClr>
+              <a:buFont typeface="Calibri" pitchFamily="34" charset="0"/>
+              <a:buChar char="◦"/>
+              <a:defRPr sz="1400" kern="1200">
+                <a:solidFill>
+                  <a:schemeClr val="tx1">
+                    <a:lumMod val="75000"/>
+                    <a:lumOff val="25000"/>
+                  </a:schemeClr>
+                </a:solidFill>
+                <a:latin typeface="+mn-lt"/>
+                <a:ea typeface="+mn-ea"/>
+                <a:cs typeface="+mn-cs"/>
+              </a:defRPr>
+            </a:lvl7pPr>
+            <a:lvl8pPr marL="1500000" indent="-228600" algn="l" defTabSz="914400" rtl="0" eaLnBrk="1" latinLnBrk="0" hangingPunct="1">
+              <a:lnSpc>
+                <a:spcPct val="90000"/>
+              </a:lnSpc>
+              <a:spcBef>
+                <a:spcPts val="200"/>
+              </a:spcBef>
+              <a:spcAft>
+                <a:spcPts val="400"/>
+              </a:spcAft>
+              <a:buClr>
+                <a:schemeClr val="accent1"/>
+              </a:buClr>
+              <a:buFont typeface="Calibri" pitchFamily="34" charset="0"/>
+              <a:buChar char="◦"/>
+              <a:defRPr sz="1400" kern="1200">
+                <a:solidFill>
+                  <a:schemeClr val="tx1">
+                    <a:lumMod val="75000"/>
+                    <a:lumOff val="25000"/>
+                  </a:schemeClr>
+                </a:solidFill>
+                <a:latin typeface="+mn-lt"/>
+                <a:ea typeface="+mn-ea"/>
+                <a:cs typeface="+mn-cs"/>
+              </a:defRPr>
+            </a:lvl8pPr>
+            <a:lvl9pPr marL="1700000" indent="-228600" algn="l" defTabSz="914400" rtl="0" eaLnBrk="1" latinLnBrk="0" hangingPunct="1">
+              <a:lnSpc>
+                <a:spcPct val="90000"/>
+              </a:lnSpc>
+              <a:spcBef>
+                <a:spcPts val="200"/>
+              </a:spcBef>
+              <a:spcAft>
+                <a:spcPts val="400"/>
+              </a:spcAft>
+              <a:buClr>
+                <a:schemeClr val="accent1"/>
+              </a:buClr>
+              <a:buFont typeface="Calibri" pitchFamily="34" charset="0"/>
+              <a:buChar char="◦"/>
+              <a:defRPr sz="1400" kern="1200">
+                <a:solidFill>
+                  <a:schemeClr val="tx1">
+                    <a:lumMod val="75000"/>
+                    <a:lumOff val="25000"/>
+                  </a:schemeClr>
+                </a:solidFill>
+                <a:latin typeface="+mn-lt"/>
+                <a:ea typeface="+mn-ea"/>
+                <a:cs typeface="+mn-cs"/>
+              </a:defRPr>
+            </a:lvl9pPr>
+          </a:lstStyle>
+          <a:p>
+            <a:pPr>
+              <a:buFont typeface="Arial" panose="020B0604020202020204" pitchFamily="34" charset="0"/>
+              <a:buChar char="•"/>
+            </a:pPr>
+            <a:r>
+              <a:rPr lang="fr-FR" dirty="0"/>
+              <a:t>L’</a:t>
+            </a:r>
+            <a:r>
+              <a:rPr lang="fr-FR" dirty="0" err="1"/>
+              <a:t>element</a:t>
+            </a:r>
+            <a:r>
+              <a:rPr lang="fr-FR" dirty="0"/>
+              <a:t> sert de classe de base aux </a:t>
+            </a:r>
+            <a:r>
+              <a:rPr lang="fr-FR" dirty="0" err="1"/>
+              <a:t>element</a:t>
+            </a:r>
+            <a:r>
+              <a:rPr lang="fr-FR" dirty="0"/>
+              <a:t> fixe et mouvant</a:t>
+            </a:r>
+          </a:p>
+          <a:p>
+            <a:pPr>
+              <a:buFont typeface="Arial" panose="020B0604020202020204" pitchFamily="34" charset="0"/>
+              <a:buChar char="•"/>
+            </a:pPr>
+            <a:endParaRPr lang="fr-FR" dirty="0"/>
+          </a:p>
+          <a:p>
+            <a:pPr>
+              <a:buFont typeface="Arial" panose="020B0604020202020204" pitchFamily="34" charset="0"/>
+              <a:buChar char="•"/>
+            </a:pPr>
+            <a:r>
+              <a:rPr lang="fr-FR" dirty="0"/>
+              <a:t>Facile d’implémenter d’autres types d’</a:t>
+            </a:r>
+            <a:r>
+              <a:rPr lang="fr-FR" dirty="0" err="1"/>
+              <a:t>element</a:t>
+            </a:r>
+            <a:r>
+              <a:rPr lang="fr-FR" dirty="0"/>
+              <a:t> fixes </a:t>
+            </a:r>
+          </a:p>
+          <a:p>
+            <a:pPr lvl="1">
+              <a:buFont typeface="Arial" panose="020B0604020202020204" pitchFamily="34" charset="0"/>
+              <a:buChar char="•"/>
+            </a:pPr>
+            <a:r>
+              <a:rPr lang="fr-FR" dirty="0"/>
+              <a:t>Brique peut devenir une classe de base si plusieurs types de briques</a:t>
+            </a:r>
+          </a:p>
+          <a:p>
+            <a:pPr lvl="1">
+              <a:buFont typeface="Arial" panose="020B0604020202020204" pitchFamily="34" charset="0"/>
+              <a:buChar char="•"/>
+            </a:pPr>
+            <a:endParaRPr lang="fr-FR" dirty="0"/>
+          </a:p>
+          <a:p>
+            <a:pPr>
+              <a:buFont typeface="Arial" panose="020B0604020202020204" pitchFamily="34" charset="0"/>
+              <a:buChar char="•"/>
+            </a:pPr>
+            <a:r>
+              <a:rPr lang="fr-FR" dirty="0"/>
+              <a:t>Facile d’implémenter d’autres </a:t>
+            </a:r>
+            <a:r>
+              <a:rPr lang="fr-FR"/>
+              <a:t>type d’éléments </a:t>
+            </a:r>
+            <a:r>
+              <a:rPr lang="fr-FR" dirty="0"/>
+              <a:t>mouvants</a:t>
+            </a:r>
+          </a:p>
+          <a:p>
+            <a:pPr marL="201168" lvl="1" indent="0">
+              <a:buNone/>
+            </a:pPr>
+            <a:br>
+              <a:rPr lang="fr-FR" dirty="0"/>
+            </a:br>
+            <a:br>
+              <a:rPr lang="fr-FR" dirty="0"/>
+            </a:br>
+            <a:endParaRPr lang="fr-FR" dirty="0"/>
           </a:p>
         </p:txBody>
       </p:sp>

--- a/Presentation_casse_brique.pptx
+++ b/Presentation_casse_brique.pptx
@@ -5,7 +5,7 @@
     <p:sldMasterId id="2147483678" r:id="rId1"/>
   </p:sldMasterIdLst>
   <p:notesMasterIdLst>
-    <p:notesMasterId r:id="rId14"/>
+    <p:notesMasterId r:id="rId15"/>
   </p:notesMasterIdLst>
   <p:sldIdLst>
     <p:sldId id="256" r:id="rId2"/>
@@ -18,8 +18,9 @@
     <p:sldId id="267" r:id="rId9"/>
     <p:sldId id="264" r:id="rId10"/>
     <p:sldId id="259" r:id="rId11"/>
-    <p:sldId id="260" r:id="rId12"/>
-    <p:sldId id="261" r:id="rId13"/>
+    <p:sldId id="268" r:id="rId12"/>
+    <p:sldId id="260" r:id="rId13"/>
+    <p:sldId id="261" r:id="rId14"/>
   </p:sldIdLst>
   <p:sldSz cx="12192000" cy="6858000"/>
   <p:notesSz cx="6858000" cy="9144000"/>
@@ -4378,7 +4379,7 @@
             <a:pPr algn="ctr"/>
             <a:r>
               <a:rPr lang="fr-FR" b="1" dirty="0"/>
-              <a:t>Améliorations possibles</a:t>
+              <a:t>Améliorations de l’existent</a:t>
             </a:r>
           </a:p>
         </p:txBody>
@@ -4407,18 +4408,44 @@
             <a:endParaRPr lang="fr-FR" dirty="0"/>
           </a:p>
           <a:p>
-            <a:r>
-              <a:rPr lang="fr-FR" dirty="0"/>
-              <a:t>Classe collision ( Important )</a:t>
-            </a:r>
-          </a:p>
-          <a:p>
+            <a:pPr>
+              <a:buFont typeface="Arial" panose="020B0604020202020204" pitchFamily="34" charset="0"/>
+              <a:buChar char="•"/>
+            </a:pPr>
+            <a:r>
+              <a:rPr lang="fr-FR" dirty="0"/>
+              <a:t>Classe collision </a:t>
+            </a:r>
+          </a:p>
+          <a:p>
+            <a:pPr>
+              <a:buFont typeface="Arial" panose="020B0604020202020204" pitchFamily="34" charset="0"/>
+              <a:buChar char="•"/>
+            </a:pPr>
+            <a:endParaRPr lang="fr-FR" dirty="0"/>
+          </a:p>
+          <a:p>
+            <a:pPr>
+              <a:buFont typeface="Arial" panose="020B0604020202020204" pitchFamily="34" charset="0"/>
+              <a:buChar char="•"/>
+            </a:pPr>
             <a:r>
               <a:rPr lang="fr-FR" dirty="0"/>
               <a:t>Programme par étapes</a:t>
             </a:r>
           </a:p>
           <a:p>
+            <a:pPr>
+              <a:buFont typeface="Arial" panose="020B0604020202020204" pitchFamily="34" charset="0"/>
+              <a:buChar char="•"/>
+            </a:pPr>
+            <a:endParaRPr lang="fr-FR" dirty="0"/>
+          </a:p>
+          <a:p>
+            <a:pPr>
+              <a:buFont typeface="Arial" panose="020B0604020202020204" pitchFamily="34" charset="0"/>
+              <a:buChar char="•"/>
+            </a:pPr>
             <a:r>
               <a:rPr lang="fr-FR" dirty="0" err="1"/>
               <a:t>Doctest</a:t>
@@ -4426,6 +4453,17 @@
             <a:endParaRPr lang="fr-FR" dirty="0"/>
           </a:p>
           <a:p>
+            <a:pPr>
+              <a:buFont typeface="Arial" panose="020B0604020202020204" pitchFamily="34" charset="0"/>
+              <a:buChar char="•"/>
+            </a:pPr>
+            <a:endParaRPr lang="fr-FR" dirty="0"/>
+          </a:p>
+          <a:p>
+            <a:pPr>
+              <a:buFont typeface="Arial" panose="020B0604020202020204" pitchFamily="34" charset="0"/>
+              <a:buChar char="•"/>
+            </a:pPr>
             <a:r>
               <a:rPr lang="fr-FR" dirty="0"/>
               <a:t>Liste chainée pour les vecteurs d’éléments du terrain</a:t>
@@ -4524,7 +4562,7 @@
             <a:pPr algn="ctr"/>
             <a:r>
               <a:rPr lang="fr-FR" b="1" dirty="0"/>
-              <a:t>Idées abandonnées</a:t>
+              <a:t>Idées possibles</a:t>
             </a:r>
           </a:p>
         </p:txBody>
@@ -4550,16 +4588,87 @@
           <a:bodyPr/>
           <a:lstStyle/>
           <a:p>
-            <a:r>
-              <a:rPr lang="fr-FR" dirty="0"/>
-              <a:t>Faire un terrain en grille (abandonné car trop peu de possibilités de trajectoires de balle)</a:t>
-            </a:r>
-          </a:p>
-          <a:p>
-            <a:r>
-              <a:rPr lang="fr-FR" dirty="0"/>
-              <a:t>Classe de base par forme (Raquette = rectangle par exemple)</a:t>
-            </a:r>
+            <a:endParaRPr lang="fr-FR" dirty="0"/>
+          </a:p>
+          <a:p>
+            <a:pPr>
+              <a:buFont typeface="Arial" panose="020B0604020202020204" pitchFamily="34" charset="0"/>
+              <a:buChar char="•"/>
+            </a:pPr>
+            <a:r>
+              <a:rPr lang="fr-FR" dirty="0"/>
+              <a:t>Plusieurs balle (collision géré) et plusieurs raquettes  </a:t>
+            </a:r>
+          </a:p>
+          <a:p>
+            <a:pPr>
+              <a:buFont typeface="Arial" panose="020B0604020202020204" pitchFamily="34" charset="0"/>
+              <a:buChar char="•"/>
+            </a:pPr>
+            <a:endParaRPr lang="fr-FR" dirty="0"/>
+          </a:p>
+          <a:p>
+            <a:pPr>
+              <a:buFont typeface="Arial" panose="020B0604020202020204" pitchFamily="34" charset="0"/>
+              <a:buChar char="•"/>
+            </a:pPr>
+            <a:r>
+              <a:rPr lang="fr-FR" dirty="0"/>
+              <a:t>Augmentation de la vitesse grâce a la </a:t>
+            </a:r>
+            <a:r>
+              <a:rPr lang="fr-FR" dirty="0" err="1"/>
+              <a:t>precision</a:t>
+            </a:r>
+            <a:r>
+              <a:rPr lang="fr-FR" dirty="0"/>
+              <a:t> de calcul de collision</a:t>
+            </a:r>
+          </a:p>
+          <a:p>
+            <a:pPr>
+              <a:buFont typeface="Arial" panose="020B0604020202020204" pitchFamily="34" charset="0"/>
+              <a:buChar char="•"/>
+            </a:pPr>
+            <a:endParaRPr lang="fr-FR" dirty="0"/>
+          </a:p>
+          <a:p>
+            <a:pPr>
+              <a:buFont typeface="Arial" panose="020B0604020202020204" pitchFamily="34" charset="0"/>
+              <a:buChar char="•"/>
+            </a:pPr>
+            <a:r>
+              <a:rPr lang="fr-FR" dirty="0"/>
+              <a:t>Ajout d’une partie score dans le menu</a:t>
+            </a:r>
+          </a:p>
+          <a:p>
+            <a:pPr>
+              <a:buFont typeface="Arial" panose="020B0604020202020204" pitchFamily="34" charset="0"/>
+              <a:buChar char="•"/>
+            </a:pPr>
+            <a:endParaRPr lang="fr-FR" dirty="0"/>
+          </a:p>
+          <a:p>
+            <a:pPr>
+              <a:buFont typeface="Arial" panose="020B0604020202020204" pitchFamily="34" charset="0"/>
+              <a:buChar char="•"/>
+            </a:pPr>
+            <a:r>
+              <a:rPr lang="fr-FR" dirty="0"/>
+              <a:t>Ajout d’une possibilité de création de terrain </a:t>
+            </a:r>
+            <a:r>
+              <a:rPr lang="fr-FR" dirty="0" err="1"/>
+              <a:t>ergonimique</a:t>
+            </a:r>
+            <a:r>
+              <a:rPr lang="fr-FR" dirty="0"/>
+              <a:t> possible grâce format fichier</a:t>
+            </a:r>
+          </a:p>
+          <a:p>
+            <a:endParaRPr lang="fr-FR" dirty="0"/>
           </a:p>
         </p:txBody>
       </p:sp>
@@ -4595,7 +4704,7 @@
     </p:spTree>
     <p:extLst>
       <p:ext uri="{BB962C8B-B14F-4D97-AF65-F5344CB8AC3E}">
-        <p14:creationId xmlns:p14="http://schemas.microsoft.com/office/powerpoint/2010/main" val="903822899"/>
+        <p14:creationId xmlns:p14="http://schemas.microsoft.com/office/powerpoint/2010/main" val="4054928711"/>
       </p:ext>
     </p:extLst>
   </p:cSld>
@@ -4651,7 +4760,7 @@
             <a:pPr algn="ctr"/>
             <a:r>
               <a:rPr lang="fr-FR" b="1" dirty="0"/>
-              <a:t>Conclusion</a:t>
+              <a:t>Idées abandonnées</a:t>
             </a:r>
           </a:p>
         </p:txBody>
@@ -4677,25 +4786,66 @@
           <a:bodyPr/>
           <a:lstStyle/>
           <a:p>
-            <a:r>
-              <a:rPr lang="fr-FR" dirty="0"/>
-              <a:t>Projet chaotique (pas eu le temps de finir)</a:t>
-            </a:r>
-          </a:p>
-          <a:p>
-            <a:r>
-              <a:rPr lang="fr-FR" dirty="0"/>
-              <a:t>Code quand même proprement structuré, facile d’ajouter des fonctionnalités</a:t>
-            </a:r>
-          </a:p>
-          <a:p>
-            <a:r>
-              <a:rPr lang="fr-FR" dirty="0"/>
-              <a:t>Projet utile</a:t>
-            </a:r>
-          </a:p>
-          <a:p>
+            <a:pPr>
+              <a:buFont typeface="Arial" panose="020B0604020202020204" pitchFamily="34" charset="0"/>
+              <a:buChar char="•"/>
+            </a:pPr>
+            <a:r>
+              <a:rPr lang="fr-FR" dirty="0"/>
+              <a:t>Faire un terrain en grille (abandonné car trop peu de possibilités de trajectoires de balle)</a:t>
+            </a:r>
+          </a:p>
+          <a:p>
+            <a:pPr>
+              <a:buFont typeface="Arial" panose="020B0604020202020204" pitchFamily="34" charset="0"/>
+              <a:buChar char="•"/>
+            </a:pPr>
             <a:endParaRPr lang="fr-FR" dirty="0"/>
+          </a:p>
+          <a:p>
+            <a:pPr>
+              <a:buFont typeface="Arial" panose="020B0604020202020204" pitchFamily="34" charset="0"/>
+              <a:buChar char="•"/>
+            </a:pPr>
+            <a:endParaRPr lang="fr-FR" dirty="0"/>
+          </a:p>
+          <a:p>
+            <a:pPr>
+              <a:buFont typeface="Arial" panose="020B0604020202020204" pitchFamily="34" charset="0"/>
+              <a:buChar char="•"/>
+            </a:pPr>
+            <a:endParaRPr lang="fr-FR" dirty="0"/>
+          </a:p>
+          <a:p>
+            <a:pPr>
+              <a:buFont typeface="Arial" panose="020B0604020202020204" pitchFamily="34" charset="0"/>
+              <a:buChar char="•"/>
+            </a:pPr>
+            <a:endParaRPr lang="fr-FR" dirty="0"/>
+          </a:p>
+          <a:p>
+            <a:pPr>
+              <a:buFont typeface="Arial" panose="020B0604020202020204" pitchFamily="34" charset="0"/>
+              <a:buChar char="•"/>
+            </a:pPr>
+            <a:endParaRPr lang="fr-FR" dirty="0"/>
+          </a:p>
+          <a:p>
+            <a:pPr>
+              <a:buFont typeface="Arial" panose="020B0604020202020204" pitchFamily="34" charset="0"/>
+              <a:buChar char="•"/>
+            </a:pPr>
+            <a:endParaRPr lang="fr-FR" dirty="0"/>
+          </a:p>
+          <a:p>
+            <a:pPr>
+              <a:buFont typeface="Arial" panose="020B0604020202020204" pitchFamily="34" charset="0"/>
+              <a:buChar char="•"/>
+            </a:pPr>
+            <a:r>
+              <a:rPr lang="fr-FR" dirty="0"/>
+              <a:t>Classe de base par forme (Raquette et brique = rectangle par exemple)</a:t>
+            </a:r>
           </a:p>
         </p:txBody>
       </p:sp>
@@ -4723,6 +4873,898 @@
             <a:fld id="{191D3F19-2FD7-4562-ACD2-4552998E26A5}" type="slidenum">
               <a:rPr lang="fr-FR" smtClean="0"/>
               <a:t>12</a:t>
+            </a:fld>
+            <a:endParaRPr lang="fr-FR"/>
+          </a:p>
+        </p:txBody>
+      </p:sp>
+      <p:graphicFrame>
+        <p:nvGraphicFramePr>
+          <p:cNvPr id="5" name="Tableau 5">
+            <a:extLst>
+              <a:ext uri="{FF2B5EF4-FFF2-40B4-BE49-F238E27FC236}">
+                <a16:creationId xmlns:a16="http://schemas.microsoft.com/office/drawing/2014/main" id="{BBE1135B-5906-4654-A2A8-9F13FA30DA07}"/>
+              </a:ext>
+            </a:extLst>
+          </p:cNvPr>
+          <p:cNvGraphicFramePr>
+            <a:graphicFrameLocks noGrp="1"/>
+          </p:cNvGraphicFramePr>
+          <p:nvPr>
+            <p:extLst>
+              <p:ext uri="{D42A27DB-BD31-4B8C-83A1-F6EECF244321}">
+                <p14:modId xmlns:p14="http://schemas.microsoft.com/office/powerpoint/2010/main" val="2436977559"/>
+              </p:ext>
+            </p:extLst>
+          </p:nvPr>
+        </p:nvGraphicFramePr>
+        <p:xfrm>
+          <a:off x="4472547" y="2567782"/>
+          <a:ext cx="2636592" cy="2190960"/>
+        </p:xfrm>
+        <a:graphic>
+          <a:graphicData uri="http://schemas.openxmlformats.org/drawingml/2006/table">
+            <a:tbl>
+              <a:tblPr firstRow="1" bandRow="1">
+                <a:tableStyleId>{5C22544A-7EE6-4342-B048-85BDC9FD1C3A}</a:tableStyleId>
+              </a:tblPr>
+              <a:tblGrid>
+                <a:gridCol w="878864">
+                  <a:extLst>
+                    <a:ext uri="{9D8B030D-6E8A-4147-A177-3AD203B41FA5}">
+                      <a16:colId xmlns:a16="http://schemas.microsoft.com/office/drawing/2014/main" val="2986252330"/>
+                    </a:ext>
+                  </a:extLst>
+                </a:gridCol>
+                <a:gridCol w="878864">
+                  <a:extLst>
+                    <a:ext uri="{9D8B030D-6E8A-4147-A177-3AD203B41FA5}">
+                      <a16:colId xmlns:a16="http://schemas.microsoft.com/office/drawing/2014/main" val="443568317"/>
+                    </a:ext>
+                  </a:extLst>
+                </a:gridCol>
+                <a:gridCol w="878864">
+                  <a:extLst>
+                    <a:ext uri="{9D8B030D-6E8A-4147-A177-3AD203B41FA5}">
+                      <a16:colId xmlns:a16="http://schemas.microsoft.com/office/drawing/2014/main" val="3129186427"/>
+                    </a:ext>
+                  </a:extLst>
+                </a:gridCol>
+              </a:tblGrid>
+              <a:tr h="730320">
+                <a:tc>
+                  <a:txBody>
+                    <a:bodyPr/>
+                    <a:lstStyle/>
+                    <a:p>
+                      <a:endParaRPr lang="fr-FR"/>
+                    </a:p>
+                  </a:txBody>
+                  <a:tcPr>
+                    <a:lnL w="12700" cap="flat" cmpd="sng" algn="ctr">
+                      <a:solidFill>
+                        <a:schemeClr val="tx1"/>
+                      </a:solidFill>
+                      <a:prstDash val="solid"/>
+                      <a:round/>
+                      <a:headEnd type="none" w="med" len="med"/>
+                      <a:tailEnd type="none" w="med" len="med"/>
+                    </a:lnL>
+                    <a:lnR w="12700" cap="flat" cmpd="sng" algn="ctr">
+                      <a:solidFill>
+                        <a:schemeClr val="tx1"/>
+                      </a:solidFill>
+                      <a:prstDash val="solid"/>
+                      <a:round/>
+                      <a:headEnd type="none" w="med" len="med"/>
+                      <a:tailEnd type="none" w="med" len="med"/>
+                    </a:lnR>
+                    <a:lnT w="12700" cap="flat" cmpd="sng" algn="ctr">
+                      <a:solidFill>
+                        <a:schemeClr val="tx1"/>
+                      </a:solidFill>
+                      <a:prstDash val="solid"/>
+                      <a:round/>
+                      <a:headEnd type="none" w="med" len="med"/>
+                      <a:tailEnd type="none" w="med" len="med"/>
+                    </a:lnT>
+                    <a:lnB w="12700" cap="flat" cmpd="sng" algn="ctr">
+                      <a:solidFill>
+                        <a:schemeClr val="tx1"/>
+                      </a:solidFill>
+                      <a:prstDash val="solid"/>
+                      <a:round/>
+                      <a:headEnd type="none" w="med" len="med"/>
+                      <a:tailEnd type="none" w="med" len="med"/>
+                    </a:lnB>
+                    <a:solidFill>
+                      <a:schemeClr val="bg1"/>
+                    </a:solidFill>
+                  </a:tcPr>
+                </a:tc>
+                <a:tc>
+                  <a:txBody>
+                    <a:bodyPr/>
+                    <a:lstStyle/>
+                    <a:p>
+                      <a:endParaRPr lang="fr-FR"/>
+                    </a:p>
+                  </a:txBody>
+                  <a:tcPr>
+                    <a:lnL w="12700" cap="flat" cmpd="sng" algn="ctr">
+                      <a:solidFill>
+                        <a:schemeClr val="tx1"/>
+                      </a:solidFill>
+                      <a:prstDash val="solid"/>
+                      <a:round/>
+                      <a:headEnd type="none" w="med" len="med"/>
+                      <a:tailEnd type="none" w="med" len="med"/>
+                    </a:lnL>
+                    <a:lnR w="12700" cap="flat" cmpd="sng" algn="ctr">
+                      <a:solidFill>
+                        <a:schemeClr val="tx1"/>
+                      </a:solidFill>
+                      <a:prstDash val="solid"/>
+                      <a:round/>
+                      <a:headEnd type="none" w="med" len="med"/>
+                      <a:tailEnd type="none" w="med" len="med"/>
+                    </a:lnR>
+                    <a:lnT w="12700" cap="flat" cmpd="sng" algn="ctr">
+                      <a:solidFill>
+                        <a:schemeClr val="tx1"/>
+                      </a:solidFill>
+                      <a:prstDash val="solid"/>
+                      <a:round/>
+                      <a:headEnd type="none" w="med" len="med"/>
+                      <a:tailEnd type="none" w="med" len="med"/>
+                    </a:lnT>
+                    <a:lnB w="12700" cap="flat" cmpd="sng" algn="ctr">
+                      <a:solidFill>
+                        <a:schemeClr val="tx1"/>
+                      </a:solidFill>
+                      <a:prstDash val="solid"/>
+                      <a:round/>
+                      <a:headEnd type="none" w="med" len="med"/>
+                      <a:tailEnd type="none" w="med" len="med"/>
+                    </a:lnB>
+                    <a:solidFill>
+                      <a:schemeClr val="bg1"/>
+                    </a:solidFill>
+                  </a:tcPr>
+                </a:tc>
+                <a:tc>
+                  <a:txBody>
+                    <a:bodyPr/>
+                    <a:lstStyle/>
+                    <a:p>
+                      <a:endParaRPr lang="fr-FR"/>
+                    </a:p>
+                  </a:txBody>
+                  <a:tcPr>
+                    <a:lnL w="12700" cap="flat" cmpd="sng" algn="ctr">
+                      <a:solidFill>
+                        <a:schemeClr val="tx1"/>
+                      </a:solidFill>
+                      <a:prstDash val="solid"/>
+                      <a:round/>
+                      <a:headEnd type="none" w="med" len="med"/>
+                      <a:tailEnd type="none" w="med" len="med"/>
+                    </a:lnL>
+                    <a:lnR w="12700" cap="flat" cmpd="sng" algn="ctr">
+                      <a:solidFill>
+                        <a:schemeClr val="tx1"/>
+                      </a:solidFill>
+                      <a:prstDash val="solid"/>
+                      <a:round/>
+                      <a:headEnd type="none" w="med" len="med"/>
+                      <a:tailEnd type="none" w="med" len="med"/>
+                    </a:lnR>
+                    <a:lnT w="12700" cap="flat" cmpd="sng" algn="ctr">
+                      <a:solidFill>
+                        <a:schemeClr val="tx1"/>
+                      </a:solidFill>
+                      <a:prstDash val="solid"/>
+                      <a:round/>
+                      <a:headEnd type="none" w="med" len="med"/>
+                      <a:tailEnd type="none" w="med" len="med"/>
+                    </a:lnT>
+                    <a:lnB w="12700" cap="flat" cmpd="sng" algn="ctr">
+                      <a:solidFill>
+                        <a:schemeClr val="tx1"/>
+                      </a:solidFill>
+                      <a:prstDash val="solid"/>
+                      <a:round/>
+                      <a:headEnd type="none" w="med" len="med"/>
+                      <a:tailEnd type="none" w="med" len="med"/>
+                    </a:lnB>
+                    <a:solidFill>
+                      <a:schemeClr val="bg1"/>
+                    </a:solidFill>
+                  </a:tcPr>
+                </a:tc>
+                <a:extLst>
+                  <a:ext uri="{0D108BD9-81ED-4DB2-BD59-A6C34878D82A}">
+                    <a16:rowId xmlns:a16="http://schemas.microsoft.com/office/drawing/2014/main" val="574680553"/>
+                  </a:ext>
+                </a:extLst>
+              </a:tr>
+              <a:tr h="730320">
+                <a:tc>
+                  <a:txBody>
+                    <a:bodyPr/>
+                    <a:lstStyle/>
+                    <a:p>
+                      <a:endParaRPr lang="fr-FR"/>
+                    </a:p>
+                  </a:txBody>
+                  <a:tcPr>
+                    <a:lnL w="12700" cap="flat" cmpd="sng" algn="ctr">
+                      <a:solidFill>
+                        <a:schemeClr val="tx1"/>
+                      </a:solidFill>
+                      <a:prstDash val="solid"/>
+                      <a:round/>
+                      <a:headEnd type="none" w="med" len="med"/>
+                      <a:tailEnd type="none" w="med" len="med"/>
+                    </a:lnL>
+                    <a:lnR w="12700" cap="flat" cmpd="sng" algn="ctr">
+                      <a:solidFill>
+                        <a:schemeClr val="tx1"/>
+                      </a:solidFill>
+                      <a:prstDash val="solid"/>
+                      <a:round/>
+                      <a:headEnd type="none" w="med" len="med"/>
+                      <a:tailEnd type="none" w="med" len="med"/>
+                    </a:lnR>
+                    <a:lnT w="12700" cap="flat" cmpd="sng" algn="ctr">
+                      <a:solidFill>
+                        <a:schemeClr val="tx1"/>
+                      </a:solidFill>
+                      <a:prstDash val="solid"/>
+                      <a:round/>
+                      <a:headEnd type="none" w="med" len="med"/>
+                      <a:tailEnd type="none" w="med" len="med"/>
+                    </a:lnT>
+                    <a:lnB w="12700" cap="flat" cmpd="sng" algn="ctr">
+                      <a:solidFill>
+                        <a:schemeClr val="tx1"/>
+                      </a:solidFill>
+                      <a:prstDash val="solid"/>
+                      <a:round/>
+                      <a:headEnd type="none" w="med" len="med"/>
+                      <a:tailEnd type="none" w="med" len="med"/>
+                    </a:lnB>
+                    <a:solidFill>
+                      <a:schemeClr val="bg1"/>
+                    </a:solidFill>
+                  </a:tcPr>
+                </a:tc>
+                <a:tc>
+                  <a:txBody>
+                    <a:bodyPr/>
+                    <a:lstStyle/>
+                    <a:p>
+                      <a:endParaRPr lang="fr-FR"/>
+                    </a:p>
+                  </a:txBody>
+                  <a:tcPr>
+                    <a:lnL w="12700" cap="flat" cmpd="sng" algn="ctr">
+                      <a:solidFill>
+                        <a:schemeClr val="tx1"/>
+                      </a:solidFill>
+                      <a:prstDash val="solid"/>
+                      <a:round/>
+                      <a:headEnd type="none" w="med" len="med"/>
+                      <a:tailEnd type="none" w="med" len="med"/>
+                    </a:lnL>
+                    <a:lnR w="12700" cap="flat" cmpd="sng" algn="ctr">
+                      <a:solidFill>
+                        <a:schemeClr val="tx1"/>
+                      </a:solidFill>
+                      <a:prstDash val="solid"/>
+                      <a:round/>
+                      <a:headEnd type="none" w="med" len="med"/>
+                      <a:tailEnd type="none" w="med" len="med"/>
+                    </a:lnR>
+                    <a:lnT w="12700" cap="flat" cmpd="sng" algn="ctr">
+                      <a:solidFill>
+                        <a:schemeClr val="tx1"/>
+                      </a:solidFill>
+                      <a:prstDash val="solid"/>
+                      <a:round/>
+                      <a:headEnd type="none" w="med" len="med"/>
+                      <a:tailEnd type="none" w="med" len="med"/>
+                    </a:lnT>
+                    <a:lnB w="12700" cap="flat" cmpd="sng" algn="ctr">
+                      <a:solidFill>
+                        <a:schemeClr val="tx1"/>
+                      </a:solidFill>
+                      <a:prstDash val="solid"/>
+                      <a:round/>
+                      <a:headEnd type="none" w="med" len="med"/>
+                      <a:tailEnd type="none" w="med" len="med"/>
+                    </a:lnB>
+                    <a:solidFill>
+                      <a:schemeClr val="bg1"/>
+                    </a:solidFill>
+                  </a:tcPr>
+                </a:tc>
+                <a:tc>
+                  <a:txBody>
+                    <a:bodyPr/>
+                    <a:lstStyle/>
+                    <a:p>
+                      <a:endParaRPr lang="fr-FR" dirty="0"/>
+                    </a:p>
+                  </a:txBody>
+                  <a:tcPr>
+                    <a:lnL w="12700" cap="flat" cmpd="sng" algn="ctr">
+                      <a:solidFill>
+                        <a:schemeClr val="tx1"/>
+                      </a:solidFill>
+                      <a:prstDash val="solid"/>
+                      <a:round/>
+                      <a:headEnd type="none" w="med" len="med"/>
+                      <a:tailEnd type="none" w="med" len="med"/>
+                    </a:lnL>
+                    <a:lnR w="12700" cap="flat" cmpd="sng" algn="ctr">
+                      <a:solidFill>
+                        <a:schemeClr val="tx1"/>
+                      </a:solidFill>
+                      <a:prstDash val="solid"/>
+                      <a:round/>
+                      <a:headEnd type="none" w="med" len="med"/>
+                      <a:tailEnd type="none" w="med" len="med"/>
+                    </a:lnR>
+                    <a:lnT w="12700" cap="flat" cmpd="sng" algn="ctr">
+                      <a:solidFill>
+                        <a:schemeClr val="tx1"/>
+                      </a:solidFill>
+                      <a:prstDash val="solid"/>
+                      <a:round/>
+                      <a:headEnd type="none" w="med" len="med"/>
+                      <a:tailEnd type="none" w="med" len="med"/>
+                    </a:lnT>
+                    <a:lnB w="12700" cap="flat" cmpd="sng" algn="ctr">
+                      <a:solidFill>
+                        <a:schemeClr val="tx1"/>
+                      </a:solidFill>
+                      <a:prstDash val="solid"/>
+                      <a:round/>
+                      <a:headEnd type="none" w="med" len="med"/>
+                      <a:tailEnd type="none" w="med" len="med"/>
+                    </a:lnB>
+                    <a:solidFill>
+                      <a:schemeClr val="bg1"/>
+                    </a:solidFill>
+                  </a:tcPr>
+                </a:tc>
+                <a:extLst>
+                  <a:ext uri="{0D108BD9-81ED-4DB2-BD59-A6C34878D82A}">
+                    <a16:rowId xmlns:a16="http://schemas.microsoft.com/office/drawing/2014/main" val="1761758463"/>
+                  </a:ext>
+                </a:extLst>
+              </a:tr>
+              <a:tr h="730320">
+                <a:tc>
+                  <a:txBody>
+                    <a:bodyPr/>
+                    <a:lstStyle/>
+                    <a:p>
+                      <a:endParaRPr lang="fr-FR" dirty="0"/>
+                    </a:p>
+                  </a:txBody>
+                  <a:tcPr>
+                    <a:lnL w="12700" cap="flat" cmpd="sng" algn="ctr">
+                      <a:solidFill>
+                        <a:schemeClr val="tx1"/>
+                      </a:solidFill>
+                      <a:prstDash val="solid"/>
+                      <a:round/>
+                      <a:headEnd type="none" w="med" len="med"/>
+                      <a:tailEnd type="none" w="med" len="med"/>
+                    </a:lnL>
+                    <a:lnR w="12700" cap="flat" cmpd="sng" algn="ctr">
+                      <a:solidFill>
+                        <a:schemeClr val="tx1"/>
+                      </a:solidFill>
+                      <a:prstDash val="solid"/>
+                      <a:round/>
+                      <a:headEnd type="none" w="med" len="med"/>
+                      <a:tailEnd type="none" w="med" len="med"/>
+                    </a:lnR>
+                    <a:lnT w="12700" cap="flat" cmpd="sng" algn="ctr">
+                      <a:solidFill>
+                        <a:schemeClr val="tx1"/>
+                      </a:solidFill>
+                      <a:prstDash val="solid"/>
+                      <a:round/>
+                      <a:headEnd type="none" w="med" len="med"/>
+                      <a:tailEnd type="none" w="med" len="med"/>
+                    </a:lnT>
+                    <a:lnB w="12700" cap="flat" cmpd="sng" algn="ctr">
+                      <a:solidFill>
+                        <a:schemeClr val="tx1"/>
+                      </a:solidFill>
+                      <a:prstDash val="solid"/>
+                      <a:round/>
+                      <a:headEnd type="none" w="med" len="med"/>
+                      <a:tailEnd type="none" w="med" len="med"/>
+                    </a:lnB>
+                    <a:solidFill>
+                      <a:schemeClr val="bg1">
+                        <a:lumMod val="65000"/>
+                      </a:schemeClr>
+                    </a:solidFill>
+                  </a:tcPr>
+                </a:tc>
+                <a:tc>
+                  <a:txBody>
+                    <a:bodyPr/>
+                    <a:lstStyle/>
+                    <a:p>
+                      <a:endParaRPr lang="fr-FR" dirty="0"/>
+                    </a:p>
+                  </a:txBody>
+                  <a:tcPr>
+                    <a:lnL w="12700" cap="flat" cmpd="sng" algn="ctr">
+                      <a:solidFill>
+                        <a:schemeClr val="tx1"/>
+                      </a:solidFill>
+                      <a:prstDash val="solid"/>
+                      <a:round/>
+                      <a:headEnd type="none" w="med" len="med"/>
+                      <a:tailEnd type="none" w="med" len="med"/>
+                    </a:lnL>
+                    <a:lnR w="12700" cap="flat" cmpd="sng" algn="ctr">
+                      <a:solidFill>
+                        <a:schemeClr val="tx1"/>
+                      </a:solidFill>
+                      <a:prstDash val="solid"/>
+                      <a:round/>
+                      <a:headEnd type="none" w="med" len="med"/>
+                      <a:tailEnd type="none" w="med" len="med"/>
+                    </a:lnR>
+                    <a:lnT w="12700" cap="flat" cmpd="sng" algn="ctr">
+                      <a:solidFill>
+                        <a:schemeClr val="tx1"/>
+                      </a:solidFill>
+                      <a:prstDash val="solid"/>
+                      <a:round/>
+                      <a:headEnd type="none" w="med" len="med"/>
+                      <a:tailEnd type="none" w="med" len="med"/>
+                    </a:lnT>
+                    <a:lnB w="12700" cap="flat" cmpd="sng" algn="ctr">
+                      <a:solidFill>
+                        <a:schemeClr val="tx1"/>
+                      </a:solidFill>
+                      <a:prstDash val="solid"/>
+                      <a:round/>
+                      <a:headEnd type="none" w="med" len="med"/>
+                      <a:tailEnd type="none" w="med" len="med"/>
+                    </a:lnB>
+                    <a:solidFill>
+                      <a:schemeClr val="bg1">
+                        <a:lumMod val="65000"/>
+                      </a:schemeClr>
+                    </a:solidFill>
+                  </a:tcPr>
+                </a:tc>
+                <a:tc>
+                  <a:txBody>
+                    <a:bodyPr/>
+                    <a:lstStyle/>
+                    <a:p>
+                      <a:endParaRPr lang="fr-FR" dirty="0"/>
+                    </a:p>
+                  </a:txBody>
+                  <a:tcPr>
+                    <a:lnL w="12700" cap="flat" cmpd="sng" algn="ctr">
+                      <a:solidFill>
+                        <a:schemeClr val="tx1"/>
+                      </a:solidFill>
+                      <a:prstDash val="solid"/>
+                      <a:round/>
+                      <a:headEnd type="none" w="med" len="med"/>
+                      <a:tailEnd type="none" w="med" len="med"/>
+                    </a:lnL>
+                    <a:lnR w="12700" cap="flat" cmpd="sng" algn="ctr">
+                      <a:solidFill>
+                        <a:schemeClr val="tx1"/>
+                      </a:solidFill>
+                      <a:prstDash val="solid"/>
+                      <a:round/>
+                      <a:headEnd type="none" w="med" len="med"/>
+                      <a:tailEnd type="none" w="med" len="med"/>
+                    </a:lnR>
+                    <a:lnT w="12700" cap="flat" cmpd="sng" algn="ctr">
+                      <a:solidFill>
+                        <a:schemeClr val="tx1"/>
+                      </a:solidFill>
+                      <a:prstDash val="solid"/>
+                      <a:round/>
+                      <a:headEnd type="none" w="med" len="med"/>
+                      <a:tailEnd type="none" w="med" len="med"/>
+                    </a:lnT>
+                    <a:lnB w="12700" cap="flat" cmpd="sng" algn="ctr">
+                      <a:solidFill>
+                        <a:schemeClr val="tx1"/>
+                      </a:solidFill>
+                      <a:prstDash val="solid"/>
+                      <a:round/>
+                      <a:headEnd type="none" w="med" len="med"/>
+                      <a:tailEnd type="none" w="med" len="med"/>
+                    </a:lnB>
+                    <a:solidFill>
+                      <a:schemeClr val="bg1">
+                        <a:lumMod val="65000"/>
+                      </a:schemeClr>
+                    </a:solidFill>
+                  </a:tcPr>
+                </a:tc>
+                <a:extLst>
+                  <a:ext uri="{0D108BD9-81ED-4DB2-BD59-A6C34878D82A}">
+                    <a16:rowId xmlns:a16="http://schemas.microsoft.com/office/drawing/2014/main" val="3255038510"/>
+                  </a:ext>
+                </a:extLst>
+              </a:tr>
+            </a:tbl>
+          </a:graphicData>
+        </a:graphic>
+      </p:graphicFrame>
+      <p:sp>
+        <p:nvSpPr>
+          <p:cNvPr id="6" name="Ellipse 5">
+            <a:extLst>
+              <a:ext uri="{FF2B5EF4-FFF2-40B4-BE49-F238E27FC236}">
+                <a16:creationId xmlns:a16="http://schemas.microsoft.com/office/drawing/2014/main" id="{A6931A16-99DC-421D-9D39-A1377E492663}"/>
+              </a:ext>
+            </a:extLst>
+          </p:cNvPr>
+          <p:cNvSpPr/>
+          <p:nvPr/>
+        </p:nvSpPr>
+        <p:spPr>
+          <a:xfrm>
+            <a:off x="5546144" y="3416953"/>
+            <a:ext cx="489397" cy="492617"/>
+          </a:xfrm>
+          <a:prstGeom prst="ellipse">
+            <a:avLst/>
+          </a:prstGeom>
+          <a:solidFill>
+            <a:srgbClr val="FF0000"/>
+          </a:solidFill>
+          <a:ln>
+            <a:solidFill>
+              <a:schemeClr val="tx1"/>
+            </a:solidFill>
+          </a:ln>
+        </p:spPr>
+        <p:style>
+          <a:lnRef idx="2">
+            <a:schemeClr val="accent1">
+              <a:shade val="50000"/>
+            </a:schemeClr>
+          </a:lnRef>
+          <a:fillRef idx="1">
+            <a:schemeClr val="accent1"/>
+          </a:fillRef>
+          <a:effectRef idx="0">
+            <a:schemeClr val="accent1"/>
+          </a:effectRef>
+          <a:fontRef idx="minor">
+            <a:schemeClr val="lt1"/>
+          </a:fontRef>
+        </p:style>
+        <p:txBody>
+          <a:bodyPr rtlCol="0" anchor="ctr"/>
+          <a:lstStyle/>
+          <a:p>
+            <a:pPr algn="ctr"/>
+            <a:endParaRPr lang="fr-FR"/>
+          </a:p>
+        </p:txBody>
+      </p:sp>
+      <p:sp>
+        <p:nvSpPr>
+          <p:cNvPr id="7" name="Flèche : droite 6">
+            <a:extLst>
+              <a:ext uri="{FF2B5EF4-FFF2-40B4-BE49-F238E27FC236}">
+                <a16:creationId xmlns:a16="http://schemas.microsoft.com/office/drawing/2014/main" id="{D5DFE264-D2A2-4B54-A07D-AF28AB3A68E8}"/>
+              </a:ext>
+            </a:extLst>
+          </p:cNvPr>
+          <p:cNvSpPr/>
+          <p:nvPr/>
+        </p:nvSpPr>
+        <p:spPr>
+          <a:xfrm rot="13514353">
+            <a:off x="4990600" y="3083415"/>
+            <a:ext cx="547352" cy="251138"/>
+          </a:xfrm>
+          <a:prstGeom prst="rightArrow">
+            <a:avLst/>
+          </a:prstGeom>
+          <a:solidFill>
+            <a:srgbClr val="FFFF00"/>
+          </a:solidFill>
+          <a:ln>
+            <a:solidFill>
+              <a:schemeClr val="tx1"/>
+            </a:solidFill>
+          </a:ln>
+        </p:spPr>
+        <p:style>
+          <a:lnRef idx="2">
+            <a:schemeClr val="accent1">
+              <a:shade val="50000"/>
+            </a:schemeClr>
+          </a:lnRef>
+          <a:fillRef idx="1">
+            <a:schemeClr val="accent1"/>
+          </a:fillRef>
+          <a:effectRef idx="0">
+            <a:schemeClr val="accent1"/>
+          </a:effectRef>
+          <a:fontRef idx="minor">
+            <a:schemeClr val="lt1"/>
+          </a:fontRef>
+        </p:style>
+        <p:txBody>
+          <a:bodyPr rtlCol="0" anchor="ctr"/>
+          <a:lstStyle/>
+          <a:p>
+            <a:pPr algn="ctr"/>
+            <a:endParaRPr lang="fr-FR"/>
+          </a:p>
+        </p:txBody>
+      </p:sp>
+      <p:sp>
+        <p:nvSpPr>
+          <p:cNvPr id="8" name="Flèche : droite 7">
+            <a:extLst>
+              <a:ext uri="{FF2B5EF4-FFF2-40B4-BE49-F238E27FC236}">
+                <a16:creationId xmlns:a16="http://schemas.microsoft.com/office/drawing/2014/main" id="{2031FED6-535E-420A-900A-8391FED632C7}"/>
+              </a:ext>
+            </a:extLst>
+          </p:cNvPr>
+          <p:cNvSpPr/>
+          <p:nvPr/>
+        </p:nvSpPr>
+        <p:spPr>
+          <a:xfrm rot="19095053">
+            <a:off x="6010869" y="3102048"/>
+            <a:ext cx="547352" cy="251138"/>
+          </a:xfrm>
+          <a:prstGeom prst="rightArrow">
+            <a:avLst/>
+          </a:prstGeom>
+          <a:solidFill>
+            <a:srgbClr val="FFFF00"/>
+          </a:solidFill>
+          <a:ln>
+            <a:solidFill>
+              <a:schemeClr val="tx1"/>
+            </a:solidFill>
+          </a:ln>
+        </p:spPr>
+        <p:style>
+          <a:lnRef idx="2">
+            <a:schemeClr val="accent1">
+              <a:shade val="50000"/>
+            </a:schemeClr>
+          </a:lnRef>
+          <a:fillRef idx="1">
+            <a:schemeClr val="accent1"/>
+          </a:fillRef>
+          <a:effectRef idx="0">
+            <a:schemeClr val="accent1"/>
+          </a:effectRef>
+          <a:fontRef idx="minor">
+            <a:schemeClr val="lt1"/>
+          </a:fontRef>
+        </p:style>
+        <p:txBody>
+          <a:bodyPr rtlCol="0" anchor="ctr"/>
+          <a:lstStyle/>
+          <a:p>
+            <a:pPr algn="ctr"/>
+            <a:endParaRPr lang="fr-FR"/>
+          </a:p>
+        </p:txBody>
+      </p:sp>
+      <p:sp>
+        <p:nvSpPr>
+          <p:cNvPr id="9" name="Flèche : droite 8">
+            <a:extLst>
+              <a:ext uri="{FF2B5EF4-FFF2-40B4-BE49-F238E27FC236}">
+                <a16:creationId xmlns:a16="http://schemas.microsoft.com/office/drawing/2014/main" id="{86B585BE-092E-44D3-A235-727AEEB5AD6F}"/>
+              </a:ext>
+            </a:extLst>
+          </p:cNvPr>
+          <p:cNvSpPr/>
+          <p:nvPr/>
+        </p:nvSpPr>
+        <p:spPr>
+          <a:xfrm rot="16200000">
+            <a:off x="5517166" y="2943170"/>
+            <a:ext cx="547352" cy="251138"/>
+          </a:xfrm>
+          <a:prstGeom prst="rightArrow">
+            <a:avLst/>
+          </a:prstGeom>
+          <a:solidFill>
+            <a:srgbClr val="FFFF00"/>
+          </a:solidFill>
+          <a:ln>
+            <a:solidFill>
+              <a:schemeClr val="tx1"/>
+            </a:solidFill>
+          </a:ln>
+        </p:spPr>
+        <p:style>
+          <a:lnRef idx="2">
+            <a:schemeClr val="accent1">
+              <a:shade val="50000"/>
+            </a:schemeClr>
+          </a:lnRef>
+          <a:fillRef idx="1">
+            <a:schemeClr val="accent1"/>
+          </a:fillRef>
+          <a:effectRef idx="0">
+            <a:schemeClr val="accent1"/>
+          </a:effectRef>
+          <a:fontRef idx="minor">
+            <a:schemeClr val="lt1"/>
+          </a:fontRef>
+        </p:style>
+        <p:txBody>
+          <a:bodyPr rtlCol="0" anchor="ctr"/>
+          <a:lstStyle/>
+          <a:p>
+            <a:pPr algn="ctr"/>
+            <a:endParaRPr lang="fr-FR"/>
+          </a:p>
+        </p:txBody>
+      </p:sp>
+    </p:spTree>
+    <p:extLst>
+      <p:ext uri="{BB962C8B-B14F-4D97-AF65-F5344CB8AC3E}">
+        <p14:creationId xmlns:p14="http://schemas.microsoft.com/office/powerpoint/2010/main" val="903822899"/>
+      </p:ext>
+    </p:extLst>
+  </p:cSld>
+  <p:clrMapOvr>
+    <a:masterClrMapping/>
+  </p:clrMapOvr>
+</p:sld>
+</file>
+
+<file path=ppt/slides/slide13.xml><?xml version="1.0" encoding="utf-8"?>
+<p:sld xmlns:a="http://schemas.openxmlformats.org/drawingml/2006/main" xmlns:r="http://schemas.openxmlformats.org/officeDocument/2006/relationships" xmlns:p="http://schemas.openxmlformats.org/presentationml/2006/main">
+  <p:cSld>
+    <p:spTree>
+      <p:nvGrpSpPr>
+        <p:cNvPr id="1" name=""/>
+        <p:cNvGrpSpPr/>
+        <p:nvPr/>
+      </p:nvGrpSpPr>
+      <p:grpSpPr>
+        <a:xfrm>
+          <a:off x="0" y="0"/>
+          <a:ext cx="0" cy="0"/>
+          <a:chOff x="0" y="0"/>
+          <a:chExt cx="0" cy="0"/>
+        </a:xfrm>
+      </p:grpSpPr>
+      <p:sp>
+        <p:nvSpPr>
+          <p:cNvPr id="2" name="Titre 1">
+            <a:extLst>
+              <a:ext uri="{FF2B5EF4-FFF2-40B4-BE49-F238E27FC236}">
+                <a16:creationId xmlns:a16="http://schemas.microsoft.com/office/drawing/2014/main" id="{A6884100-7019-4DAD-A104-03681D1D8791}"/>
+              </a:ext>
+            </a:extLst>
+          </p:cNvPr>
+          <p:cNvSpPr>
+            <a:spLocks noGrp="1"/>
+          </p:cNvSpPr>
+          <p:nvPr>
+            <p:ph type="title"/>
+          </p:nvPr>
+        </p:nvSpPr>
+        <p:spPr>
+          <a:xfrm>
+            <a:off x="1097280" y="286604"/>
+            <a:ext cx="10058400" cy="968440"/>
+          </a:xfrm>
+        </p:spPr>
+        <p:txBody>
+          <a:bodyPr/>
+          <a:lstStyle/>
+          <a:p>
+            <a:pPr algn="ctr"/>
+            <a:r>
+              <a:rPr lang="fr-FR" b="1" dirty="0"/>
+              <a:t>Conclusion</a:t>
+            </a:r>
+          </a:p>
+        </p:txBody>
+      </p:sp>
+      <p:sp>
+        <p:nvSpPr>
+          <p:cNvPr id="3" name="Espace réservé du contenu 2">
+            <a:extLst>
+              <a:ext uri="{FF2B5EF4-FFF2-40B4-BE49-F238E27FC236}">
+                <a16:creationId xmlns:a16="http://schemas.microsoft.com/office/drawing/2014/main" id="{3A5FC328-C921-462F-A0EE-0BC5158EC9FC}"/>
+              </a:ext>
+            </a:extLst>
+          </p:cNvPr>
+          <p:cNvSpPr>
+            <a:spLocks noGrp="1"/>
+          </p:cNvSpPr>
+          <p:nvPr>
+            <p:ph idx="1"/>
+          </p:nvPr>
+        </p:nvSpPr>
+        <p:spPr/>
+        <p:txBody>
+          <a:bodyPr anchor="ctr"/>
+          <a:lstStyle/>
+          <a:p>
+            <a:r>
+              <a:rPr lang="fr-FR" dirty="0"/>
+              <a:t>Projet incomplet</a:t>
+            </a:r>
+          </a:p>
+          <a:p>
+            <a:r>
+              <a:rPr lang="fr-FR" dirty="0"/>
+              <a:t>Code quand proprement structuré et documenté</a:t>
+            </a:r>
+          </a:p>
+          <a:p>
+            <a:r>
+              <a:rPr lang="fr-FR" dirty="0"/>
+              <a:t>Fonctionnalités facilement ajoutables</a:t>
+            </a:r>
+          </a:p>
+          <a:p>
+            <a:r>
+              <a:rPr lang="fr-FR" dirty="0"/>
+              <a:t>Projet utile</a:t>
+            </a:r>
+          </a:p>
+          <a:p>
+            <a:endParaRPr lang="fr-FR" dirty="0"/>
+          </a:p>
+        </p:txBody>
+      </p:sp>
+      <p:sp>
+        <p:nvSpPr>
+          <p:cNvPr id="4" name="Espace réservé du numéro de diapositive 3">
+            <a:extLst>
+              <a:ext uri="{FF2B5EF4-FFF2-40B4-BE49-F238E27FC236}">
+                <a16:creationId xmlns:a16="http://schemas.microsoft.com/office/drawing/2014/main" id="{B50E683B-09DA-4615-BE2B-62DD65D4F578}"/>
+              </a:ext>
+            </a:extLst>
+          </p:cNvPr>
+          <p:cNvSpPr>
+            <a:spLocks noGrp="1"/>
+          </p:cNvSpPr>
+          <p:nvPr>
+            <p:ph type="sldNum" sz="quarter" idx="12"/>
+          </p:nvPr>
+        </p:nvSpPr>
+        <p:spPr/>
+        <p:txBody>
+          <a:bodyPr/>
+          <a:lstStyle/>
+          <a:p>
+            <a:fld id="{191D3F19-2FD7-4562-ACD2-4552998E26A5}" type="slidenum">
+              <a:rPr lang="fr-FR" smtClean="0"/>
+              <a:t>13</a:t>
             </a:fld>
             <a:endParaRPr lang="fr-FR"/>
           </a:p>
@@ -4810,12 +5852,14 @@
         </p:nvSpPr>
         <p:spPr/>
         <p:txBody>
-          <a:bodyPr/>
+          <a:bodyPr anchor="ctr">
+            <a:normAutofit/>
+          </a:bodyPr>
           <a:lstStyle/>
           <a:p>
             <a:pPr>
-              <a:buFont typeface="Arial" panose="020B0604020202020204" pitchFamily="34" charset="0"/>
-              <a:buChar char="•"/>
+              <a:buFont typeface="Wingdings" panose="05000000000000000000" pitchFamily="2" charset="2"/>
+              <a:buChar char="Ø"/>
             </a:pPr>
             <a:r>
               <a:rPr lang="fr-FR" dirty="0"/>
@@ -4824,70 +5868,67 @@
           </a:p>
           <a:p>
             <a:pPr>
-              <a:buFont typeface="Arial" panose="020B0604020202020204" pitchFamily="34" charset="0"/>
-              <a:buChar char="•"/>
+              <a:buFont typeface="Wingdings" panose="05000000000000000000" pitchFamily="2" charset="2"/>
+              <a:buChar char="Ø"/>
             </a:pPr>
+            <a:r>
+              <a:rPr lang="fr-FR" dirty="0"/>
+              <a:t>Fonctionnement global</a:t>
+            </a:r>
+          </a:p>
+          <a:p>
+            <a:pPr>
+              <a:buFont typeface="Wingdings" panose="05000000000000000000" pitchFamily="2" charset="2"/>
+              <a:buChar char="Ø"/>
+            </a:pPr>
+            <a:r>
+              <a:rPr lang="fr-FR" dirty="0"/>
+              <a:t>Fonctionnement détaillé</a:t>
+            </a:r>
+          </a:p>
+          <a:p>
+            <a:pPr>
+              <a:buFont typeface="Wingdings" panose="05000000000000000000" pitchFamily="2" charset="2"/>
+              <a:buChar char="Ø"/>
+            </a:pPr>
+            <a:r>
+              <a:rPr lang="fr-FR" dirty="0"/>
+              <a:t>Améliorations de l’existent</a:t>
+            </a:r>
+          </a:p>
+          <a:p>
+            <a:pPr>
+              <a:buFont typeface="Wingdings" panose="05000000000000000000" pitchFamily="2" charset="2"/>
+              <a:buChar char="Ø"/>
+            </a:pPr>
+            <a:r>
+              <a:rPr lang="fr-FR" dirty="0"/>
+              <a:t>Idées possibles</a:t>
+            </a:r>
+          </a:p>
+          <a:p>
+            <a:pPr>
+              <a:buFont typeface="Wingdings" panose="05000000000000000000" pitchFamily="2" charset="2"/>
+              <a:buChar char="Ø"/>
+            </a:pPr>
+            <a:r>
+              <a:rPr lang="fr-FR" dirty="0"/>
+              <a:t>Idées abandonnées lors du </a:t>
+            </a:r>
+            <a:r>
+              <a:rPr lang="fr-FR" dirty="0" err="1"/>
+              <a:t>developpement</a:t>
+            </a:r>
             <a:endParaRPr lang="fr-FR" dirty="0"/>
           </a:p>
           <a:p>
             <a:pPr>
-              <a:buFont typeface="Arial" panose="020B0604020202020204" pitchFamily="34" charset="0"/>
-              <a:buChar char="•"/>
+              <a:buFont typeface="Wingdings" panose="05000000000000000000" pitchFamily="2" charset="2"/>
+              <a:buChar char="Ø"/>
             </a:pPr>
             <a:r>
               <a:rPr lang="fr-FR" dirty="0"/>
-              <a:t>Fonctionnement global</a:t>
-            </a:r>
-          </a:p>
-          <a:p>
-            <a:pPr>
-              <a:buFont typeface="Arial" panose="020B0604020202020204" pitchFamily="34" charset="0"/>
-              <a:buChar char="•"/>
-            </a:pPr>
-            <a:endParaRPr lang="fr-FR" dirty="0"/>
-          </a:p>
-          <a:p>
-            <a:pPr>
-              <a:buFont typeface="Arial" panose="020B0604020202020204" pitchFamily="34" charset="0"/>
-              <a:buChar char="•"/>
-            </a:pPr>
-            <a:r>
-              <a:rPr lang="fr-FR" dirty="0"/>
-              <a:t>Fonctionnement détaillé</a:t>
-            </a:r>
-          </a:p>
-          <a:p>
-            <a:pPr>
-              <a:buFont typeface="Arial" panose="020B0604020202020204" pitchFamily="34" charset="0"/>
-              <a:buChar char="•"/>
-            </a:pPr>
-            <a:endParaRPr lang="fr-FR" dirty="0"/>
-          </a:p>
-          <a:p>
-            <a:pPr>
-              <a:buFont typeface="Arial" panose="020B0604020202020204" pitchFamily="34" charset="0"/>
-              <a:buChar char="•"/>
-            </a:pPr>
-            <a:r>
-              <a:rPr lang="fr-FR" dirty="0"/>
-              <a:t>Idées abandonnées</a:t>
-            </a:r>
-          </a:p>
-          <a:p>
-            <a:pPr>
-              <a:buFont typeface="Arial" panose="020B0604020202020204" pitchFamily="34" charset="0"/>
-              <a:buChar char="•"/>
-            </a:pPr>
-            <a:endParaRPr lang="fr-FR" dirty="0"/>
-          </a:p>
-          <a:p>
-            <a:pPr>
-              <a:buFont typeface="Arial" panose="020B0604020202020204" pitchFamily="34" charset="0"/>
-              <a:buChar char="•"/>
-            </a:pPr>
-            <a:r>
-              <a:rPr lang="fr-FR" dirty="0"/>
-              <a:t>Améliorations possibles</a:t>
+              <a:t>Conclusion</a:t>
             </a:r>
           </a:p>
         </p:txBody>
@@ -5078,7 +6119,7 @@
             </a:pPr>
             <a:r>
               <a:rPr lang="fr-FR" dirty="0"/>
-              <a:t>Logiciels utilisés (gitHub, codeBlocks, doxygen et </a:t>
+              <a:t>Logiciels et plugins utilisés (gitHub, codeBlocks, doxygen et </a:t>
             </a:r>
             <a:r>
               <a:rPr lang="fr-FR" dirty="0" err="1"/>
@@ -6959,23 +8000,7 @@
             </a:pPr>
             <a:r>
               <a:rPr lang="fr-FR" dirty="0"/>
-              <a:t>L’</a:t>
-            </a:r>
-            <a:r>
-              <a:rPr lang="fr-FR" dirty="0" err="1"/>
-              <a:t>element</a:t>
-            </a:r>
-            <a:r>
-              <a:rPr lang="fr-FR" dirty="0"/>
-              <a:t> sert de classe de base aux </a:t>
-            </a:r>
-            <a:r>
-              <a:rPr lang="fr-FR" dirty="0" err="1"/>
-              <a:t>element</a:t>
-            </a:r>
-            <a:r>
-              <a:rPr lang="fr-FR" dirty="0"/>
-              <a:t> fixe et mouvant</a:t>
+              <a:t>L’élément sert de classe de base aux élément fixe et mouvant</a:t>
             </a:r>
           </a:p>
           <a:p>
@@ -6992,15 +8017,7 @@
             </a:pPr>
             <a:r>
               <a:rPr lang="fr-FR" dirty="0"/>
-              <a:t>Facile d’implémenter d’autres types d’</a:t>
-            </a:r>
-            <a:r>
-              <a:rPr lang="fr-FR" dirty="0" err="1"/>
-              <a:t>element</a:t>
-            </a:r>
-            <a:r>
-              <a:rPr lang="fr-FR" dirty="0"/>
-              <a:t> fixes </a:t>
+              <a:t>Facile d’implémenter d’autres types d’ élément fixes </a:t>
             </a:r>
           </a:p>
           <a:p>
@@ -7027,15 +8044,7 @@
             </a:pPr>
             <a:r>
               <a:rPr lang="fr-FR" dirty="0"/>
-              <a:t>Facile d’implémenter d’autres </a:t>
-            </a:r>
-            <a:r>
-              <a:rPr lang="fr-FR"/>
-              <a:t>type d’éléments </a:t>
-            </a:r>
-            <a:r>
-              <a:rPr lang="fr-FR" dirty="0"/>
-              <a:t>mouvants</a:t>
+              <a:t>Facile d’implémenter d’autres type d’éléments mouvants</a:t>
             </a:r>
           </a:p>
           <a:p>

--- a/Presentation_casse_brique.pptx
+++ b/Presentation_casse_brique.pptx
@@ -4822,7 +4822,7 @@
           <a:effectLst/>
           <a:extLst>
             <a:ext uri="{91240B29-F687-4f45-9708-019B960494DF}">
-              <a14:hiddenLine xmlns:a14="http://schemas.microsoft.com/office/drawing/2010/main" xmlns="" w="9525">
+              <a14:hiddenLine xmlns="" xmlns:a14="http://schemas.microsoft.com/office/drawing/2010/main" w="9525">
                 <a:solidFill>
                   <a:srgbClr val="000000"/>
                 </a:solidFill>
@@ -6347,7 +6347,7 @@
           <a:ln/>
           <a:extLst>
             <a:ext uri="{91240B29-F687-4f45-9708-019B960494DF}">
-              <a14:hiddenLine xmlns:a14="http://schemas.microsoft.com/office/drawing/2010/main" xmlns="" w="9525">
+              <a14:hiddenLine xmlns="" xmlns:a14="http://schemas.microsoft.com/office/drawing/2010/main" w="9525">
                 <a:solidFill>
                   <a:srgbClr val="000000"/>
                 </a:solidFill>
@@ -6622,7 +6622,7 @@
           <a:ln/>
           <a:extLst>
             <a:ext uri="{91240B29-F687-4f45-9708-019B960494DF}">
-              <a14:hiddenLine xmlns:a14="http://schemas.microsoft.com/office/drawing/2010/main" xmlns="" w="9525">
+              <a14:hiddenLine xmlns="" xmlns:a14="http://schemas.microsoft.com/office/drawing/2010/main" w="9525">
                 <a:solidFill>
                   <a:srgbClr val="000000"/>
                 </a:solidFill>
@@ -6905,7 +6905,7 @@
           <a:ln/>
           <a:extLst>
             <a:ext uri="{91240B29-F687-4f45-9708-019B960494DF}">
-              <a14:hiddenLine xmlns:a14="http://schemas.microsoft.com/office/drawing/2010/main" xmlns="" w="9525">
+              <a14:hiddenLine xmlns="" xmlns:a14="http://schemas.microsoft.com/office/drawing/2010/main" w="9525">
                 <a:solidFill>
                   <a:srgbClr val="000000"/>
                 </a:solidFill>
@@ -7531,7 +7531,7 @@
           <a:ln/>
           <a:extLst>
             <a:ext uri="{91240B29-F687-4f45-9708-019B960494DF}">
-              <a14:hiddenLine xmlns:a14="http://schemas.microsoft.com/office/drawing/2010/main" xmlns="" w="9525">
+              <a14:hiddenLine xmlns="" xmlns:a14="http://schemas.microsoft.com/office/drawing/2010/main" w="9525">
                 <a:solidFill>
                   <a:srgbClr val="000000"/>
                 </a:solidFill>
@@ -7870,7 +7870,7 @@
           <a:ln/>
           <a:extLst>
             <a:ext uri="{91240B29-F687-4f45-9708-019B960494DF}">
-              <a14:hiddenLine xmlns:a14="http://schemas.microsoft.com/office/drawing/2010/main" xmlns="" w="9525">
+              <a14:hiddenLine xmlns="" xmlns:a14="http://schemas.microsoft.com/office/drawing/2010/main" w="9525">
                 <a:solidFill>
                   <a:srgbClr val="000000"/>
                 </a:solidFill>
@@ -8347,7 +8347,7 @@
           <a:ln/>
           <a:extLst>
             <a:ext uri="{91240B29-F687-4f45-9708-019B960494DF}">
-              <a14:hiddenLine xmlns:a14="http://schemas.microsoft.com/office/drawing/2010/main" xmlns="" w="9525">
+              <a14:hiddenLine xmlns="" xmlns:a14="http://schemas.microsoft.com/office/drawing/2010/main" w="9525">
                 <a:solidFill>
                   <a:srgbClr val="000000"/>
                 </a:solidFill>
@@ -8776,7 +8776,7 @@
           <a:ln/>
           <a:extLst>
             <a:ext uri="{91240B29-F687-4f45-9708-019B960494DF}">
-              <a14:hiddenLine xmlns:a14="http://schemas.microsoft.com/office/drawing/2010/main" xmlns="" w="9525">
+              <a14:hiddenLine xmlns="" xmlns:a14="http://schemas.microsoft.com/office/drawing/2010/main" w="9525">
                 <a:solidFill>
                   <a:srgbClr val="000000"/>
                 </a:solidFill>
@@ -10271,48 +10271,42 @@
           </a:p>
         </p:txBody>
       </p:sp>
-      <p:sp>
-        <p:nvSpPr>
-          <p:cNvPr id="6" name="ZoneTexte 5">
+      <p:pic>
+        <p:nvPicPr>
+          <p:cNvPr id="8" name="Image 7" descr="Une image contenant clipart&#10;&#10;Description générée automatiquement">
             <a:extLst>
               <a:ext uri="{FF2B5EF4-FFF2-40B4-BE49-F238E27FC236}">
-                <a16:creationId xmlns:a16="http://schemas.microsoft.com/office/drawing/2014/main" id="{DA41AEA3-9483-40FB-BDAA-D7E02057352F}"/>
+                <a16:creationId xmlns:a16="http://schemas.microsoft.com/office/drawing/2014/main" id="{88592736-1BD3-444D-ACD8-040888E6CA7A}"/>
               </a:ext>
             </a:extLst>
           </p:cNvPr>
-          <p:cNvSpPr txBox="1"/>
+          <p:cNvPicPr>
+            <a:picLocks noChangeAspect="1"/>
+          </p:cNvPicPr>
           <p:nvPr/>
-        </p:nvSpPr>
+        </p:nvPicPr>
+        <p:blipFill>
+          <a:blip r:embed="rId2">
+            <a:extLst>
+              <a:ext uri="{28A0092B-C50C-407E-A947-70E740481C1C}">
+                <a14:useLocalDpi xmlns:a14="http://schemas.microsoft.com/office/drawing/2010/main" val="0"/>
+              </a:ext>
+            </a:extLst>
+          </a:blip>
+          <a:stretch>
+            <a:fillRect/>
+          </a:stretch>
+        </p:blipFill>
         <p:spPr>
           <a:xfrm>
-            <a:off x="5033630" y="5915888"/>
-            <a:ext cx="1191679" cy="369332"/>
+            <a:off x="4481196" y="5428011"/>
+            <a:ext cx="1553097" cy="1126422"/>
           </a:xfrm>
           <a:prstGeom prst="rect">
             <a:avLst/>
           </a:prstGeom>
-          <a:noFill/>
         </p:spPr>
-        <p:txBody>
-          <a:bodyPr wrap="square" rtlCol="0">
-            <a:spAutoFit/>
-          </a:bodyPr>
-          <a:lstStyle/>
-          <a:p>
-            <a:r>
-              <a:rPr lang="fr-FR" dirty="0">
-                <a:solidFill>
-                  <a:schemeClr val="bg1"/>
-                </a:solidFill>
-                <a:highlight>
-                  <a:srgbClr val="FFFF00"/>
-                </a:highlight>
-              </a:rPr>
-              <a:t>LOGO</a:t>
-            </a:r>
-          </a:p>
-        </p:txBody>
-      </p:sp>
+      </p:pic>
     </p:spTree>
     <p:extLst>
       <p:ext uri="{BB962C8B-B14F-4D97-AF65-F5344CB8AC3E}">
